--- a/linq/slides/12_DataServices.pptx
+++ b/linq/slides/12_DataServices.pptx
@@ -2,7 +2,7 @@
 <file path=ppt/presentation.xml><?xml version="1.0" encoding="utf-8"?>
 <p:presentation xmlns:a="http://schemas.openxmlformats.org/drawingml/2006/main" xmlns:r="http://schemas.openxmlformats.org/officeDocument/2006/relationships" xmlns:p="http://schemas.openxmlformats.org/presentationml/2006/main" strictFirstAndLastChars="0" saveSubsetFonts="1">
   <p:sldMasterIdLst>
-    <p:sldMasterId id="2147483681" r:id="rId1"/>
+    <p:sldMasterId id="2147483772" r:id="rId1"/>
   </p:sldMasterIdLst>
   <p:notesMasterIdLst>
     <p:notesMasterId r:id="rId26"/>
@@ -257,7 +257,7 @@
               <a:pPr>
                 <a:defRPr/>
               </a:pPr>
-              <a:t>12/4/2008</a:t>
+              <a:t>5/7/2012</a:t>
             </a:fld>
             <a:endParaRPr lang="en-US"/>
           </a:p>
@@ -339,6 +339,11 @@
         </p:txBody>
       </p:sp>
     </p:spTree>
+    <p:extLst>
+      <p:ext uri="{BB962C8B-B14F-4D97-AF65-F5344CB8AC3E}">
+        <p14:creationId xmlns:p14="http://schemas.microsoft.com/office/powerpoint/2010/main" val="4036918480"/>
+      </p:ext>
+    </p:extLst>
   </p:cSld>
   <p:clrMap bg1="lt1" tx1="dk1" bg2="lt2" tx2="dk2" accent1="accent1" accent2="accent2" accent3="accent3" accent4="accent4" accent5="accent5" accent6="accent6" hlink="hlink" folHlink="folHlink"/>
 </p:handoutMaster>
@@ -660,6 +665,11 @@
         </p:txBody>
       </p:sp>
     </p:spTree>
+    <p:extLst>
+      <p:ext uri="{BB962C8B-B14F-4D97-AF65-F5344CB8AC3E}">
+        <p14:creationId xmlns:p14="http://schemas.microsoft.com/office/powerpoint/2010/main" val="2131870954"/>
+      </p:ext>
+    </p:extLst>
   </p:cSld>
   <p:clrMap bg1="lt1" tx1="dk1" bg2="lt2" tx2="dk2" accent1="accent1" accent2="accent2" accent3="accent3" accent4="accent4" accent5="accent5" accent6="accent6" hlink="hlink" folHlink="folHlink"/>
   <p:notesStyle>
@@ -1161,398 +1171,6 @@
           <a:chExt cx="0" cy="0"/>
         </a:xfrm>
       </p:grpSpPr>
-      <p:pic>
-        <p:nvPicPr>
-          <p:cNvPr id="4" name="Picture 7" descr="PluralsightColorLogoLgTrans.png"/>
-          <p:cNvPicPr>
-            <a:picLocks noChangeAspect="1"/>
-          </p:cNvPicPr>
-          <p:nvPr/>
-        </p:nvPicPr>
-        <p:blipFill>
-          <a:blip r:embed="rId2"/>
-          <a:srcRect/>
-          <a:stretch>
-            <a:fillRect/>
-          </a:stretch>
-        </p:blipFill>
-        <p:spPr bwMode="auto">
-          <a:xfrm>
-            <a:off x="5528932" y="5539565"/>
-            <a:ext cx="2438400" cy="588963"/>
-          </a:xfrm>
-          <a:prstGeom prst="rect">
-            <a:avLst/>
-          </a:prstGeom>
-          <a:noFill/>
-          <a:ln w="9525">
-            <a:noFill/>
-            <a:miter lim="800000"/>
-            <a:headEnd/>
-            <a:tailEnd/>
-          </a:ln>
-          <a:effectLst>
-            <a:reflection blurRad="6350" stA="50000" endA="300" endPos="55500" dist="101600" dir="5400000" sy="-100000" algn="bl" rotWithShape="0"/>
-          </a:effectLst>
-        </p:spPr>
-      </p:pic>
-      <p:sp>
-        <p:nvSpPr>
-          <p:cNvPr id="5" name="Freeform 4"/>
-          <p:cNvSpPr>
-            <a:spLocks/>
-          </p:cNvSpPr>
-          <p:nvPr userDrawn="1"/>
-        </p:nvSpPr>
-        <p:spPr bwMode="auto">
-          <a:xfrm flipV="1">
-            <a:off x="-9525" y="5816600"/>
-            <a:ext cx="9153525" cy="1041400"/>
-          </a:xfrm>
-          <a:custGeom>
-            <a:avLst>
-              <a:gd name="A1" fmla="val 0"/>
-              <a:gd name="A2" fmla="val 0"/>
-              <a:gd name="A3" fmla="val 0"/>
-              <a:gd name="A4" fmla="val 0"/>
-              <a:gd name="A5" fmla="val 0"/>
-              <a:gd name="A6" fmla="val 0"/>
-              <a:gd name="A7" fmla="val 0"/>
-              <a:gd name="A8" fmla="val 0"/>
-            </a:avLst>
-            <a:gdLst/>
-            <a:ahLst/>
-            <a:cxnLst>
-              <a:cxn ang="0">
-                <a:pos x="6" y="2"/>
-              </a:cxn>
-              <a:cxn ang="0">
-                <a:pos x="2542" y="0"/>
-              </a:cxn>
-              <a:cxn ang="0">
-                <a:pos x="4374" y="367"/>
-              </a:cxn>
-              <a:cxn ang="0">
-                <a:pos x="5766" y="55"/>
-              </a:cxn>
-              <a:cxn ang="0">
-                <a:pos x="5772" y="213"/>
-              </a:cxn>
-              <a:cxn ang="0">
-                <a:pos x="4302" y="439"/>
-              </a:cxn>
-              <a:cxn ang="0">
-                <a:pos x="1488" y="201"/>
-              </a:cxn>
-              <a:cxn ang="0">
-                <a:pos x="0" y="656"/>
-              </a:cxn>
-              <a:cxn ang="0">
-                <a:pos x="6" y="2"/>
-              </a:cxn>
-            </a:cxnLst>
-            <a:rect l="0" t="0" r="0" b="0"/>
-            <a:pathLst>
-              <a:path w="5772" h="656">
-                <a:moveTo>
-                  <a:pt x="6" y="2"/>
-                </a:moveTo>
-                <a:lnTo>
-                  <a:pt x="2542" y="0"/>
-                </a:lnTo>
-                <a:cubicBezTo>
-                  <a:pt x="2746" y="101"/>
-                  <a:pt x="3828" y="367"/>
-                  <a:pt x="4374" y="367"/>
-                </a:cubicBezTo>
-                <a:cubicBezTo>
-                  <a:pt x="4920" y="367"/>
-                  <a:pt x="5526" y="152"/>
-                  <a:pt x="5766" y="55"/>
-                </a:cubicBezTo>
-                <a:lnTo>
-                  <a:pt x="5772" y="213"/>
-                </a:lnTo>
-                <a:cubicBezTo>
-                  <a:pt x="5670" y="257"/>
-                  <a:pt x="5016" y="441"/>
-                  <a:pt x="4302" y="439"/>
-                </a:cubicBezTo>
-                <a:cubicBezTo>
-                  <a:pt x="3588" y="437"/>
-                  <a:pt x="2205" y="165"/>
-                  <a:pt x="1488" y="201"/>
-                </a:cubicBezTo>
-                <a:cubicBezTo>
-                  <a:pt x="750" y="209"/>
-                  <a:pt x="270" y="482"/>
-                  <a:pt x="0" y="656"/>
-                </a:cubicBezTo>
-                <a:lnTo>
-                  <a:pt x="6" y="2"/>
-                </a:lnTo>
-                <a:close/>
-              </a:path>
-            </a:pathLst>
-          </a:custGeom>
-          <a:gradFill>
-            <a:gsLst>
-              <a:gs pos="0">
-                <a:srgbClr val="DDEBCF"/>
-              </a:gs>
-              <a:gs pos="50000">
-                <a:srgbClr val="9CB86E"/>
-              </a:gs>
-              <a:gs pos="100000">
-                <a:srgbClr val="156B13"/>
-              </a:gs>
-            </a:gsLst>
-            <a:lin ang="5400000" scaled="0"/>
-          </a:gradFill>
-          <a:ln w="9525" cap="flat" cmpd="sng" algn="ctr">
-            <a:noFill/>
-            <a:prstDash val="solid"/>
-            <a:round/>
-            <a:headEnd type="none" w="med" len="med"/>
-            <a:tailEnd type="none" w="med" len="med"/>
-          </a:ln>
-          <a:effectLst/>
-        </p:spPr>
-        <p:txBody>
-          <a:bodyPr/>
-          <a:lstStyle/>
-          <a:p>
-            <a:pPr algn="l" eaLnBrk="1" hangingPunct="1">
-              <a:defRPr/>
-            </a:pPr>
-            <a:endParaRPr lang="en-US">
-              <a:latin typeface="+mn-lt"/>
-            </a:endParaRPr>
-          </a:p>
-        </p:txBody>
-      </p:sp>
-      <p:grpSp>
-        <p:nvGrpSpPr>
-          <p:cNvPr id="6" name="Group 7"/>
-          <p:cNvGrpSpPr>
-            <a:grpSpLocks/>
-          </p:cNvGrpSpPr>
-          <p:nvPr userDrawn="1"/>
-        </p:nvGrpSpPr>
-        <p:grpSpPr bwMode="auto">
-          <a:xfrm flipH="1">
-            <a:off x="-19050" y="5943600"/>
-            <a:ext cx="9180513" cy="649288"/>
-            <a:chOff x="-19045" y="216550"/>
-            <a:chExt cx="9180548" cy="649224"/>
-          </a:xfrm>
-        </p:grpSpPr>
-        <p:sp>
-          <p:nvSpPr>
-            <p:cNvPr id="7" name="Freeform 6"/>
-            <p:cNvSpPr>
-              <a:spLocks/>
-            </p:cNvSpPr>
-            <p:nvPr/>
-          </p:nvSpPr>
-          <p:spPr bwMode="auto">
-            <a:xfrm rot="21435692">
-              <a:off x="-19045" y="216550"/>
-              <a:ext cx="9163050" cy="649224"/>
-            </a:xfrm>
-            <a:custGeom>
-              <a:avLst>
-                <a:gd name="A1" fmla="val 0"/>
-                <a:gd name="A2" fmla="val 0"/>
-                <a:gd name="A3" fmla="val 0"/>
-                <a:gd name="A4" fmla="val 0"/>
-                <a:gd name="A5" fmla="val 0"/>
-                <a:gd name="A6" fmla="val 0"/>
-                <a:gd name="A7" fmla="val 0"/>
-                <a:gd name="A8" fmla="val 0"/>
-              </a:avLst>
-              <a:gdLst/>
-              <a:ahLst/>
-              <a:cxnLst>
-                <a:cxn ang="0">
-                  <a:pos x="0" y="966"/>
-                </a:cxn>
-                <a:cxn ang="0">
-                  <a:pos x="1608" y="282"/>
-                </a:cxn>
-                <a:cxn ang="0">
-                  <a:pos x="4110" y="1008"/>
-                </a:cxn>
-                <a:cxn ang="0">
-                  <a:pos x="5772" y="0"/>
-                </a:cxn>
-              </a:cxnLst>
-              <a:rect l="0" t="0" r="0" b="0"/>
-              <a:pathLst>
-                <a:path w="5772" h="1055">
-                  <a:moveTo>
-                    <a:pt x="0" y="966"/>
-                  </a:moveTo>
-                  <a:cubicBezTo>
-                    <a:pt x="282" y="738"/>
-                    <a:pt x="923" y="275"/>
-                    <a:pt x="1608" y="282"/>
-                  </a:cubicBezTo>
-                  <a:cubicBezTo>
-                    <a:pt x="2293" y="289"/>
-                    <a:pt x="3416" y="1055"/>
-                    <a:pt x="4110" y="1008"/>
-                  </a:cubicBezTo>
-                  <a:cubicBezTo>
-                    <a:pt x="4804" y="961"/>
-                    <a:pt x="5426" y="210"/>
-                    <a:pt x="5772" y="0"/>
-                  </a:cubicBezTo>
-                </a:path>
-              </a:pathLst>
-            </a:custGeom>
-            <a:noFill/>
-            <a:ln w="10795" cap="flat" cmpd="sng" algn="ctr">
-              <a:gradFill>
-                <a:gsLst>
-                  <a:gs pos="74000">
-                    <a:schemeClr val="accent3">
-                      <a:shade val="75000"/>
-                    </a:schemeClr>
-                  </a:gs>
-                  <a:gs pos="86000">
-                    <a:schemeClr val="tx1">
-                      <a:alpha val="29000"/>
-                    </a:schemeClr>
-                  </a:gs>
-                  <a:gs pos="16000">
-                    <a:schemeClr val="accent2">
-                      <a:shade val="75000"/>
-                      <a:alpha val="56000"/>
-                    </a:schemeClr>
-                  </a:gs>
-                </a:gsLst>
-                <a:lin ang="5400000" scaled="1"/>
-              </a:gradFill>
-              <a:prstDash val="solid"/>
-              <a:round/>
-              <a:headEnd type="none" w="med" len="med"/>
-              <a:tailEnd type="none" w="med" len="med"/>
-            </a:ln>
-            <a:effectLst/>
-          </p:spPr>
-          <p:txBody>
-            <a:bodyPr/>
-            <a:lstStyle/>
-            <a:p>
-              <a:pPr>
-                <a:defRPr/>
-              </a:pPr>
-              <a:endParaRPr lang="en-US"/>
-            </a:p>
-          </p:txBody>
-        </p:sp>
-        <p:sp>
-          <p:nvSpPr>
-            <p:cNvPr id="8" name="Freeform 7"/>
-            <p:cNvSpPr>
-              <a:spLocks/>
-            </p:cNvSpPr>
-            <p:nvPr/>
-          </p:nvSpPr>
-          <p:spPr bwMode="auto">
-            <a:xfrm rot="21435692">
-              <a:off x="-14309" y="290003"/>
-              <a:ext cx="9175812" cy="530352"/>
-            </a:xfrm>
-            <a:custGeom>
-              <a:avLst>
-                <a:gd name="A1" fmla="val 0"/>
-                <a:gd name="A2" fmla="val 0"/>
-                <a:gd name="A3" fmla="val 0"/>
-                <a:gd name="A4" fmla="val 0"/>
-                <a:gd name="A5" fmla="val 0"/>
-                <a:gd name="A6" fmla="val 0"/>
-                <a:gd name="A7" fmla="val 0"/>
-                <a:gd name="A8" fmla="val 0"/>
-              </a:avLst>
-              <a:gdLst/>
-              <a:ahLst/>
-              <a:cxnLst>
-                <a:cxn ang="0">
-                  <a:pos x="0" y="732"/>
-                </a:cxn>
-                <a:cxn ang="0">
-                  <a:pos x="1638" y="228"/>
-                </a:cxn>
-                <a:cxn ang="0">
-                  <a:pos x="4122" y="816"/>
-                </a:cxn>
-                <a:cxn ang="0">
-                  <a:pos x="5766" y="0"/>
-                </a:cxn>
-              </a:cxnLst>
-              <a:rect l="0" t="0" r="0" b="0"/>
-              <a:pathLst>
-                <a:path w="5766" h="854">
-                  <a:moveTo>
-                    <a:pt x="0" y="732"/>
-                  </a:moveTo>
-                  <a:cubicBezTo>
-                    <a:pt x="273" y="647"/>
-                    <a:pt x="951" y="214"/>
-                    <a:pt x="1638" y="228"/>
-                  </a:cubicBezTo>
-                  <a:cubicBezTo>
-                    <a:pt x="2325" y="242"/>
-                    <a:pt x="3434" y="854"/>
-                    <a:pt x="4122" y="816"/>
-                  </a:cubicBezTo>
-                  <a:cubicBezTo>
-                    <a:pt x="4810" y="778"/>
-                    <a:pt x="5424" y="170"/>
-                    <a:pt x="5766" y="0"/>
-                  </a:cubicBezTo>
-                </a:path>
-              </a:pathLst>
-            </a:custGeom>
-            <a:noFill/>
-            <a:ln w="9525" cap="flat" cmpd="sng" algn="ctr">
-              <a:gradFill>
-                <a:gsLst>
-                  <a:gs pos="74000">
-                    <a:schemeClr val="accent4"/>
-                  </a:gs>
-                  <a:gs pos="44000">
-                    <a:schemeClr val="accent1"/>
-                  </a:gs>
-                  <a:gs pos="33000">
-                    <a:schemeClr val="accent2">
-                      <a:alpha val="56000"/>
-                    </a:schemeClr>
-                  </a:gs>
-                </a:gsLst>
-                <a:lin ang="5400000" scaled="1"/>
-              </a:gradFill>
-              <a:prstDash val="solid"/>
-              <a:round/>
-              <a:headEnd type="none" w="med" len="med"/>
-              <a:tailEnd type="none" w="med" len="med"/>
-            </a:ln>
-            <a:effectLst/>
-          </p:spPr>
-          <p:txBody>
-            <a:bodyPr/>
-            <a:lstStyle/>
-            <a:p>
-              <a:pPr>
-                <a:defRPr/>
-              </a:pPr>
-              <a:endParaRPr lang="en-US"/>
-            </a:p>
-          </p:txBody>
-        </p:sp>
-      </p:grpSp>
       <p:sp>
         <p:nvSpPr>
           <p:cNvPr id="32780" name="Title 32779"/>
@@ -1625,7 +1243,53 @@
           </a:p>
         </p:txBody>
       </p:sp>
+      <p:pic>
+        <p:nvPicPr>
+          <p:cNvPr id="9" name="Picture 6" descr="http://www.odetocode.com/">
+            <a:hlinkClick r:id="rId2"/>
+          </p:cNvPr>
+          <p:cNvPicPr>
+            <a:picLocks noChangeAspect="1" noChangeArrowheads="1"/>
+          </p:cNvPicPr>
+          <p:nvPr userDrawn="1"/>
+        </p:nvPicPr>
+        <p:blipFill>
+          <a:blip r:embed="rId3"/>
+          <a:srcRect r="26934"/>
+          <a:stretch>
+            <a:fillRect/>
+          </a:stretch>
+        </p:blipFill>
+        <p:spPr bwMode="auto">
+          <a:xfrm>
+            <a:off x="7620000" y="6248400"/>
+            <a:ext cx="1295400" cy="439103"/>
+          </a:xfrm>
+          <a:prstGeom prst="rect">
+            <a:avLst/>
+          </a:prstGeom>
+          <a:ln w="38100" cap="sq">
+            <a:solidFill>
+              <a:srgbClr val="000000"/>
+            </a:solidFill>
+            <a:prstDash val="solid"/>
+            <a:miter lim="800000"/>
+          </a:ln>
+          <a:effectLst>
+            <a:outerShdw blurRad="50800" dist="38100" dir="2700000" algn="tl" rotWithShape="0">
+              <a:srgbClr val="000000">
+                <a:alpha val="43000"/>
+              </a:srgbClr>
+            </a:outerShdw>
+          </a:effectLst>
+        </p:spPr>
+      </p:pic>
     </p:spTree>
+    <p:extLst>
+      <p:ext uri="{BB962C8B-B14F-4D97-AF65-F5344CB8AC3E}">
+        <p14:creationId xmlns:p14="http://schemas.microsoft.com/office/powerpoint/2010/main" val="2226671481"/>
+      </p:ext>
+    </p:extLst>
   </p:cSld>
   <p:clrMapOvr>
     <a:masterClrMapping/>
@@ -1778,6 +1442,11 @@
         </p:txBody>
       </p:sp>
     </p:spTree>
+    <p:extLst>
+      <p:ext uri="{BB962C8B-B14F-4D97-AF65-F5344CB8AC3E}">
+        <p14:creationId xmlns:p14="http://schemas.microsoft.com/office/powerpoint/2010/main" val="265568664"/>
+      </p:ext>
+    </p:extLst>
   </p:cSld>
   <p:clrMapOvr>
     <a:masterClrMapping/>
@@ -1929,64 +1598,12 @@
           </a:p>
         </p:txBody>
       </p:sp>
-      <p:sp>
-        <p:nvSpPr>
-          <p:cNvPr id="4" name="Text Box 5"/>
-          <p:cNvSpPr txBox="1">
-            <a:spLocks noChangeArrowheads="1"/>
-          </p:cNvSpPr>
-          <p:nvPr userDrawn="1"/>
-        </p:nvSpPr>
-        <p:spPr bwMode="auto">
-          <a:xfrm>
-            <a:off x="3576151" y="6337300"/>
-            <a:ext cx="1991699" cy="307777"/>
-          </a:xfrm>
-          <a:prstGeom prst="rect">
-            <a:avLst/>
-          </a:prstGeom>
-          <a:noFill/>
-          <a:ln w="9525">
-            <a:noFill/>
-            <a:miter lim="800000"/>
-            <a:headEnd/>
-            <a:tailEnd/>
-          </a:ln>
-          <a:effectLst/>
-        </p:spPr>
-        <p:txBody>
-          <a:bodyPr wrap="none">
-            <a:spAutoFit/>
-          </a:bodyPr>
-          <a:lstStyle/>
-          <a:p>
-            <a:pPr algn="l">
-              <a:defRPr/>
-            </a:pPr>
-            <a:r>
-              <a:rPr lang="en-US" sz="1400" b="1" dirty="0" smtClean="0">
-                <a:solidFill>
-                  <a:srgbClr val="002060"/>
-                </a:solidFill>
-                <a:latin typeface="Tekton Pro" pitchFamily="34" charset="0"/>
-                <a:cs typeface="Segoe UI" pitchFamily="34" charset="0"/>
-              </a:rPr>
-              <a:t>© 2008 </a:t>
-            </a:r>
-            <a:r>
-              <a:rPr lang="en-US" sz="1400" b="1" dirty="0">
-                <a:solidFill>
-                  <a:srgbClr val="002060"/>
-                </a:solidFill>
-                <a:latin typeface="Tekton Pro" pitchFamily="34" charset="0"/>
-                <a:cs typeface="Segoe UI" pitchFamily="34" charset="0"/>
-              </a:rPr>
-              <a:t>Pluralsight, LLC</a:t>
-            </a:r>
-          </a:p>
-        </p:txBody>
-      </p:sp>
     </p:spTree>
+    <p:extLst>
+      <p:ext uri="{BB962C8B-B14F-4D97-AF65-F5344CB8AC3E}">
+        <p14:creationId xmlns:p14="http://schemas.microsoft.com/office/powerpoint/2010/main" val="1800165665"/>
+      </p:ext>
+    </p:extLst>
   </p:cSld>
   <p:clrMapOvr>
     <a:masterClrMapping/>
@@ -2081,6 +1698,11 @@
         </p:txBody>
       </p:sp>
     </p:spTree>
+    <p:extLst>
+      <p:ext uri="{BB962C8B-B14F-4D97-AF65-F5344CB8AC3E}">
+        <p14:creationId xmlns:p14="http://schemas.microsoft.com/office/powerpoint/2010/main" val="988931056"/>
+      </p:ext>
+    </p:extLst>
   </p:cSld>
   <p:clrMapOvr>
     <a:masterClrMapping/>
@@ -2132,6 +1754,311 @@
         </p:txBody>
       </p:sp>
     </p:spTree>
+    <p:extLst>
+      <p:ext uri="{BB962C8B-B14F-4D97-AF65-F5344CB8AC3E}">
+        <p14:creationId xmlns:p14="http://schemas.microsoft.com/office/powerpoint/2010/main" val="1650452873"/>
+      </p:ext>
+    </p:extLst>
+  </p:cSld>
+  <p:clrMapOvr>
+    <a:masterClrMapping/>
+  </p:clrMapOvr>
+  <p:transition>
+    <p:fade/>
+  </p:transition>
+</p:sldLayout>
+</file>
+
+<file path=ppt/slideLayouts/slideLayout6.xml><?xml version="1.0" encoding="utf-8"?>
+<p:sldLayout xmlns:a="http://schemas.openxmlformats.org/drawingml/2006/main" xmlns:r="http://schemas.openxmlformats.org/officeDocument/2006/relationships" xmlns:p="http://schemas.openxmlformats.org/presentationml/2006/main" preserve="1" userDrawn="1">
+  <p:cSld name="1_Code Sample">
+    <p:spTree>
+      <p:nvGrpSpPr>
+        <p:cNvPr id="1" name=""/>
+        <p:cNvGrpSpPr/>
+        <p:nvPr/>
+      </p:nvGrpSpPr>
+      <p:grpSpPr>
+        <a:xfrm>
+          <a:off x="0" y="0"/>
+          <a:ext cx="0" cy="0"/>
+          <a:chOff x="0" y="0"/>
+          <a:chExt cx="0" cy="0"/>
+        </a:xfrm>
+      </p:grpSpPr>
+      <p:sp>
+        <p:nvSpPr>
+          <p:cNvPr id="2" name="Title 1"/>
+          <p:cNvSpPr>
+            <a:spLocks noGrp="1"/>
+          </p:cNvSpPr>
+          <p:nvPr>
+            <p:ph type="title"/>
+          </p:nvPr>
+        </p:nvSpPr>
+        <p:spPr/>
+        <p:txBody>
+          <a:bodyPr/>
+          <a:lstStyle/>
+          <a:p>
+            <a:r>
+              <a:rPr lang="en-US" smtClean="0"/>
+              <a:t>Click to edit Master title style</a:t>
+            </a:r>
+            <a:endParaRPr lang="en-US"/>
+          </a:p>
+        </p:txBody>
+      </p:sp>
+      <p:sp>
+        <p:nvSpPr>
+          <p:cNvPr id="5" name="Text Placeholder 4"/>
+          <p:cNvSpPr>
+            <a:spLocks noGrp="1"/>
+          </p:cNvSpPr>
+          <p:nvPr>
+            <p:ph type="body" sz="quarter" idx="10"/>
+          </p:nvPr>
+        </p:nvSpPr>
+        <p:spPr>
+          <a:xfrm>
+            <a:off x="1485900" y="1600200"/>
+            <a:ext cx="6172200" cy="3962400"/>
+          </a:xfrm>
+          <a:solidFill>
+            <a:schemeClr val="accent2"/>
+          </a:solidFill>
+          <a:ln w="9525">
+            <a:solidFill>
+              <a:schemeClr val="tx1"/>
+            </a:solidFill>
+          </a:ln>
+        </p:spPr>
+        <p:txBody>
+          <a:bodyPr/>
+          <a:lstStyle>
+            <a:lvl1pPr>
+              <a:buNone/>
+              <a:defRPr sz="1800" b="0">
+                <a:latin typeface="Consolas" pitchFamily="49" charset="0"/>
+              </a:defRPr>
+            </a:lvl1pPr>
+          </a:lstStyle>
+          <a:p>
+            <a:pPr lvl="0"/>
+            <a:r>
+              <a:rPr lang="en-US" smtClean="0"/>
+              <a:t>Click to edit Master text styles</a:t>
+            </a:r>
+          </a:p>
+        </p:txBody>
+      </p:sp>
+    </p:spTree>
+    <p:extLst>
+      <p:ext uri="{BB962C8B-B14F-4D97-AF65-F5344CB8AC3E}">
+        <p14:creationId xmlns:p14="http://schemas.microsoft.com/office/powerpoint/2010/main" val="2882921305"/>
+      </p:ext>
+    </p:extLst>
+  </p:cSld>
+  <p:clrMapOvr>
+    <a:masterClrMapping/>
+  </p:clrMapOvr>
+  <p:transition>
+    <p:fade/>
+  </p:transition>
+</p:sldLayout>
+</file>
+
+<file path=ppt/slideLayouts/slideLayout7.xml><?xml version="1.0" encoding="utf-8"?>
+<p:sldLayout xmlns:a="http://schemas.openxmlformats.org/drawingml/2006/main" xmlns:r="http://schemas.openxmlformats.org/officeDocument/2006/relationships" xmlns:p="http://schemas.openxmlformats.org/presentationml/2006/main" preserve="1" userDrawn="1">
+  <p:cSld name="1_Blank">
+    <p:spTree>
+      <p:nvGrpSpPr>
+        <p:cNvPr id="1" name=""/>
+        <p:cNvGrpSpPr/>
+        <p:nvPr/>
+      </p:nvGrpSpPr>
+      <p:grpSpPr>
+        <a:xfrm>
+          <a:off x="0" y="0"/>
+          <a:ext cx="0" cy="0"/>
+          <a:chOff x="0" y="0"/>
+          <a:chExt cx="0" cy="0"/>
+        </a:xfrm>
+      </p:grpSpPr>
+      <p:sp>
+        <p:nvSpPr>
+          <p:cNvPr id="2" name="Title 1"/>
+          <p:cNvSpPr>
+            <a:spLocks noGrp="1"/>
+          </p:cNvSpPr>
+          <p:nvPr>
+            <p:ph type="title"/>
+          </p:nvPr>
+        </p:nvSpPr>
+        <p:spPr/>
+        <p:txBody>
+          <a:bodyPr rtlCol="0"/>
+          <a:lstStyle/>
+          <a:p>
+            <a:r>
+              <a:rPr lang="en-US" smtClean="0"/>
+              <a:t>Click to edit Master title style</a:t>
+            </a:r>
+            <a:endParaRPr lang="en-US"/>
+          </a:p>
+        </p:txBody>
+      </p:sp>
+    </p:spTree>
+    <p:extLst>
+      <p:ext uri="{BB962C8B-B14F-4D97-AF65-F5344CB8AC3E}">
+        <p14:creationId xmlns:p14="http://schemas.microsoft.com/office/powerpoint/2010/main" val="3923173866"/>
+      </p:ext>
+    </p:extLst>
+  </p:cSld>
+  <p:clrMapOvr>
+    <a:masterClrMapping/>
+  </p:clrMapOvr>
+  <p:transition>
+    <p:fade/>
+  </p:transition>
+</p:sldLayout>
+</file>
+
+<file path=ppt/slideLayouts/slideLayout8.xml><?xml version="1.0" encoding="utf-8"?>
+<p:sldLayout xmlns:a="http://schemas.openxmlformats.org/drawingml/2006/main" xmlns:r="http://schemas.openxmlformats.org/officeDocument/2006/relationships" xmlns:p="http://schemas.openxmlformats.org/presentationml/2006/main" preserve="1" userDrawn="1">
+  <p:cSld name="2_Code Sample">
+    <p:spTree>
+      <p:nvGrpSpPr>
+        <p:cNvPr id="1" name=""/>
+        <p:cNvGrpSpPr/>
+        <p:nvPr/>
+      </p:nvGrpSpPr>
+      <p:grpSpPr>
+        <a:xfrm>
+          <a:off x="0" y="0"/>
+          <a:ext cx="0" cy="0"/>
+          <a:chOff x="0" y="0"/>
+          <a:chExt cx="0" cy="0"/>
+        </a:xfrm>
+      </p:grpSpPr>
+      <p:sp>
+        <p:nvSpPr>
+          <p:cNvPr id="2" name="Title 1"/>
+          <p:cNvSpPr>
+            <a:spLocks noGrp="1"/>
+          </p:cNvSpPr>
+          <p:nvPr>
+            <p:ph type="title"/>
+          </p:nvPr>
+        </p:nvSpPr>
+        <p:spPr/>
+        <p:txBody>
+          <a:bodyPr/>
+          <a:lstStyle/>
+          <a:p>
+            <a:r>
+              <a:rPr lang="en-US" smtClean="0"/>
+              <a:t>Click to edit Master title style</a:t>
+            </a:r>
+            <a:endParaRPr lang="en-US"/>
+          </a:p>
+        </p:txBody>
+      </p:sp>
+      <p:sp>
+        <p:nvSpPr>
+          <p:cNvPr id="5" name="Text Placeholder 4"/>
+          <p:cNvSpPr>
+            <a:spLocks noGrp="1"/>
+          </p:cNvSpPr>
+          <p:nvPr>
+            <p:ph type="body" sz="quarter" idx="10"/>
+          </p:nvPr>
+        </p:nvSpPr>
+        <p:spPr>
+          <a:xfrm>
+            <a:off x="1485900" y="1600200"/>
+            <a:ext cx="6172200" cy="3962400"/>
+          </a:xfrm>
+          <a:solidFill>
+            <a:schemeClr val="accent2"/>
+          </a:solidFill>
+          <a:ln w="9525">
+            <a:solidFill>
+              <a:schemeClr val="tx1"/>
+            </a:solidFill>
+          </a:ln>
+        </p:spPr>
+        <p:txBody>
+          <a:bodyPr/>
+          <a:lstStyle>
+            <a:lvl1pPr>
+              <a:buNone/>
+              <a:defRPr sz="1800" b="0">
+                <a:latin typeface="Consolas" pitchFamily="49" charset="0"/>
+              </a:defRPr>
+            </a:lvl1pPr>
+          </a:lstStyle>
+          <a:p>
+            <a:pPr lvl="0"/>
+            <a:r>
+              <a:rPr lang="en-US" smtClean="0"/>
+              <a:t>Click to edit Master text styles</a:t>
+            </a:r>
+          </a:p>
+        </p:txBody>
+      </p:sp>
+    </p:spTree>
+  </p:cSld>
+  <p:clrMapOvr>
+    <a:masterClrMapping/>
+  </p:clrMapOvr>
+  <p:transition>
+    <p:fade/>
+  </p:transition>
+</p:sldLayout>
+</file>
+
+<file path=ppt/slideLayouts/slideLayout9.xml><?xml version="1.0" encoding="utf-8"?>
+<p:sldLayout xmlns:a="http://schemas.openxmlformats.org/drawingml/2006/main" xmlns:r="http://schemas.openxmlformats.org/officeDocument/2006/relationships" xmlns:p="http://schemas.openxmlformats.org/presentationml/2006/main" preserve="1" userDrawn="1">
+  <p:cSld name="2_Blank">
+    <p:spTree>
+      <p:nvGrpSpPr>
+        <p:cNvPr id="1" name=""/>
+        <p:cNvGrpSpPr/>
+        <p:nvPr/>
+      </p:nvGrpSpPr>
+      <p:grpSpPr>
+        <a:xfrm>
+          <a:off x="0" y="0"/>
+          <a:ext cx="0" cy="0"/>
+          <a:chOff x="0" y="0"/>
+          <a:chExt cx="0" cy="0"/>
+        </a:xfrm>
+      </p:grpSpPr>
+      <p:sp>
+        <p:nvSpPr>
+          <p:cNvPr id="2" name="Title 1"/>
+          <p:cNvSpPr>
+            <a:spLocks noGrp="1"/>
+          </p:cNvSpPr>
+          <p:nvPr>
+            <p:ph type="title"/>
+          </p:nvPr>
+        </p:nvSpPr>
+        <p:spPr/>
+        <p:txBody>
+          <a:bodyPr rtlCol="0"/>
+          <a:lstStyle/>
+          <a:p>
+            <a:r>
+              <a:rPr lang="en-US" smtClean="0"/>
+              <a:t>Click to edit Master title style</a:t>
+            </a:r>
+            <a:endParaRPr lang="en-US"/>
+          </a:p>
+        </p:txBody>
+      </p:sp>
+    </p:spTree>
   </p:cSld>
   <p:clrMapOvr>
     <a:masterClrMapping/>
@@ -2143,12 +2070,12 @@
 </file>
 
 <file path=ppt/slideMasters/slideMaster1.xml><?xml version="1.0" encoding="utf-8"?>
-<p:sldMaster xmlns:a="http://schemas.openxmlformats.org/drawingml/2006/main" xmlns:r="http://schemas.openxmlformats.org/officeDocument/2006/relationships" xmlns:p="http://schemas.openxmlformats.org/presentationml/2006/main">
+<p:sldMaster xmlns:a="http://schemas.openxmlformats.org/drawingml/2006/main" xmlns:r="http://schemas.openxmlformats.org/officeDocument/2006/relationships" xmlns:p="http://schemas.openxmlformats.org/presentationml/2006/main" preserve="1">
   <p:cSld>
     <p:bg>
       <p:bgPr>
         <a:solidFill>
-          <a:schemeClr val="bg1"/>
+          <a:srgbClr val="BDBDA9"/>
         </a:solidFill>
         <a:effectLst/>
       </p:bgPr>
@@ -2167,38 +2094,6 @@
           <a:chExt cx="0" cy="0"/>
         </a:xfrm>
       </p:grpSpPr>
-      <p:pic>
-        <p:nvPicPr>
-          <p:cNvPr id="1026" name="Picture 6" descr="C:\Users\Aaron\Desktop\header1.jpg"/>
-          <p:cNvPicPr>
-            <a:picLocks noChangeAspect="1" noChangeArrowheads="1"/>
-          </p:cNvPicPr>
-          <p:nvPr/>
-        </p:nvPicPr>
-        <p:blipFill>
-          <a:blip r:embed="rId7"/>
-          <a:srcRect/>
-          <a:stretch>
-            <a:fillRect/>
-          </a:stretch>
-        </p:blipFill>
-        <p:spPr bwMode="auto">
-          <a:xfrm>
-            <a:off x="0" y="6096000"/>
-            <a:ext cx="9144000" cy="762000"/>
-          </a:xfrm>
-          <a:prstGeom prst="rect">
-            <a:avLst/>
-          </a:prstGeom>
-          <a:noFill/>
-          <a:ln w="9525">
-            <a:noFill/>
-            <a:miter lim="800000"/>
-            <a:headEnd/>
-            <a:tailEnd/>
-          </a:ln>
-        </p:spPr>
-      </p:pic>
       <p:sp>
         <p:nvSpPr>
           <p:cNvPr id="1027" name="Rectangle 1025"/>
@@ -2211,7 +2106,7 @@
         </p:nvSpPr>
         <p:spPr bwMode="auto">
           <a:xfrm>
-            <a:off x="457200" y="1371600"/>
+            <a:off x="457200" y="1447800"/>
             <a:ext cx="8229600" cy="4495800"/>
           </a:xfrm>
           <a:prstGeom prst="rect">
@@ -2311,84 +2206,6 @@
           </a:p>
         </p:txBody>
       </p:sp>
-      <p:sp>
-        <p:nvSpPr>
-          <p:cNvPr id="9" name="Rectangle 8"/>
-          <p:cNvSpPr/>
-          <p:nvPr/>
-        </p:nvSpPr>
-        <p:spPr bwMode="auto">
-          <a:xfrm>
-            <a:off x="0" y="6096000"/>
-            <a:ext cx="9144000" cy="762000"/>
-          </a:xfrm>
-          <a:prstGeom prst="rect">
-            <a:avLst/>
-          </a:prstGeom>
-          <a:solidFill>
-            <a:srgbClr val="A4D289">
-              <a:alpha val="34000"/>
-            </a:srgbClr>
-          </a:solidFill>
-          <a:ln w="9525" cap="flat" cmpd="sng" algn="ctr">
-            <a:noFill/>
-            <a:prstDash val="solid"/>
-            <a:round/>
-            <a:headEnd type="none" w="med" len="med"/>
-            <a:tailEnd type="none" w="med" len="med"/>
-          </a:ln>
-          <a:effectLst/>
-        </p:spPr>
-        <p:txBody>
-          <a:bodyPr wrap="none" anchor="ctr"/>
-          <a:lstStyle/>
-          <a:p>
-            <a:pPr>
-              <a:defRPr/>
-            </a:pPr>
-            <a:endParaRPr lang="en-US">
-              <a:solidFill>
-                <a:schemeClr val="tx1">
-                  <a:alpha val="100000"/>
-                </a:schemeClr>
-              </a:solidFill>
-              <a:latin typeface="Arial"/>
-            </a:endParaRPr>
-          </a:p>
-        </p:txBody>
-      </p:sp>
-      <p:pic>
-        <p:nvPicPr>
-          <p:cNvPr id="1031" name="Picture 6" descr="PluralsightColorLogoLgTrans.png"/>
-          <p:cNvPicPr>
-            <a:picLocks noChangeAspect="1"/>
-          </p:cNvPicPr>
-          <p:nvPr/>
-        </p:nvPicPr>
-        <p:blipFill>
-          <a:blip r:embed="rId8"/>
-          <a:srcRect/>
-          <a:stretch>
-            <a:fillRect/>
-          </a:stretch>
-        </p:blipFill>
-        <p:spPr bwMode="auto">
-          <a:xfrm>
-            <a:off x="228600" y="6248400"/>
-            <a:ext cx="1943100" cy="469900"/>
-          </a:xfrm>
-          <a:prstGeom prst="rect">
-            <a:avLst/>
-          </a:prstGeom>
-          <a:noFill/>
-          <a:ln w="9525">
-            <a:noFill/>
-            <a:miter lim="800000"/>
-            <a:headEnd/>
-            <a:tailEnd/>
-          </a:ln>
-        </p:spPr>
-      </p:pic>
       <p:cxnSp>
         <p:nvCxnSpPr>
           <p:cNvPr id="14" name="Straight Connector 13"/>
@@ -2397,7 +2214,7 @@
         </p:nvCxnSpPr>
         <p:spPr bwMode="auto">
           <a:xfrm>
-            <a:off x="0" y="6094412"/>
+            <a:off x="0" y="6780212"/>
             <a:ext cx="9144000" cy="1588"/>
           </a:xfrm>
           <a:prstGeom prst="line">
@@ -2414,11 +2231,9 @@
             </a:gsLst>
             <a:lin ang="5400000" scaled="1"/>
           </a:gradFill>
-          <a:ln w="9525" cap="flat" cmpd="sng" algn="ctr">
+          <a:ln w="152400" cap="flat" cmpd="sng" algn="ctr">
             <a:solidFill>
-              <a:schemeClr val="bg2">
-                <a:lumMod val="75000"/>
-              </a:schemeClr>
+              <a:srgbClr val="800000"/>
             </a:solidFill>
             <a:prstDash val="solid"/>
             <a:round/>
@@ -2436,15 +2251,65 @@
           </a:effectLst>
         </p:spPr>
       </p:cxnSp>
+      <p:pic>
+        <p:nvPicPr>
+          <p:cNvPr id="8" name="Picture 6" descr="http://www.odetocode.com/">
+            <a:hlinkClick r:id="rId11"/>
+          </p:cNvPr>
+          <p:cNvPicPr>
+            <a:picLocks noChangeAspect="1" noChangeArrowheads="1"/>
+          </p:cNvPicPr>
+          <p:nvPr userDrawn="1"/>
+        </p:nvPicPr>
+        <p:blipFill>
+          <a:blip r:embed="rId12"/>
+          <a:srcRect r="26934"/>
+          <a:stretch>
+            <a:fillRect/>
+          </a:stretch>
+        </p:blipFill>
+        <p:spPr bwMode="auto">
+          <a:xfrm>
+            <a:off x="7620000" y="6266497"/>
+            <a:ext cx="1295400" cy="439103"/>
+          </a:xfrm>
+          <a:prstGeom prst="rect">
+            <a:avLst/>
+          </a:prstGeom>
+          <a:ln w="38100" cap="sq">
+            <a:solidFill>
+              <a:srgbClr val="000000"/>
+            </a:solidFill>
+            <a:prstDash val="solid"/>
+            <a:miter lim="800000"/>
+          </a:ln>
+          <a:effectLst>
+            <a:outerShdw blurRad="50800" dist="38100" dir="2700000" algn="tl" rotWithShape="0">
+              <a:srgbClr val="000000">
+                <a:alpha val="43000"/>
+              </a:srgbClr>
+            </a:outerShdw>
+          </a:effectLst>
+        </p:spPr>
+      </p:pic>
     </p:spTree>
+    <p:extLst>
+      <p:ext uri="{BB962C8B-B14F-4D97-AF65-F5344CB8AC3E}">
+        <p14:creationId xmlns:p14="http://schemas.microsoft.com/office/powerpoint/2010/main" val="934125072"/>
+      </p:ext>
+    </p:extLst>
   </p:cSld>
   <p:clrMap bg1="lt1" tx1="dk1" bg2="lt2" tx2="dk2" accent1="accent1" accent2="accent2" accent3="accent3" accent4="accent4" accent5="accent5" accent6="accent6" hlink="hlink" folHlink="folHlink"/>
   <p:sldLayoutIdLst>
-    <p:sldLayoutId id="2147483767" r:id="rId1"/>
-    <p:sldLayoutId id="2147483768" r:id="rId2"/>
-    <p:sldLayoutId id="2147483771" r:id="rId3"/>
-    <p:sldLayoutId id="2147483769" r:id="rId4"/>
-    <p:sldLayoutId id="2147483770" r:id="rId5"/>
+    <p:sldLayoutId id="2147483773" r:id="rId1"/>
+    <p:sldLayoutId id="2147483774" r:id="rId2"/>
+    <p:sldLayoutId id="2147483775" r:id="rId3"/>
+    <p:sldLayoutId id="2147483776" r:id="rId4"/>
+    <p:sldLayoutId id="2147483777" r:id="rId5"/>
+    <p:sldLayoutId id="2147483778" r:id="rId6"/>
+    <p:sldLayoutId id="2147483779" r:id="rId7"/>
+    <p:sldLayoutId id="2147483769" r:id="rId8"/>
+    <p:sldLayoutId id="2147483770" r:id="rId9"/>
   </p:sldLayoutIdLst>
   <p:transition>
     <p:fade/>
@@ -6495,11 +6360,7 @@
             <a:pPr lvl="1"/>
             <a:r>
               <a:rPr lang="en-US" dirty="0" smtClean="0"/>
-              <a:t>Converts </a:t>
-            </a:r>
-            <a:r>
-              <a:rPr lang="en-US" dirty="0" smtClean="0"/>
-              <a:t>LINQ queries to REST requests</a:t>
+              <a:t>Converts LINQ queries to REST requests</a:t>
             </a:r>
           </a:p>
           <a:p>
@@ -8377,15 +8238,7 @@
                 <a:ea typeface="Calibri"/>
                 <a:cs typeface="Times New Roman"/>
               </a:rPr>
-              <a:t>    Title </a:t>
-            </a:r>
-            <a:r>
-              <a:rPr lang="en-US" b="0" dirty="0" smtClean="0">
-                <a:latin typeface="Consolas" pitchFamily="49" charset="0"/>
-                <a:ea typeface="Calibri"/>
-                <a:cs typeface="Times New Roman"/>
-              </a:rPr>
-              <a:t>= </a:t>
+              <a:t>    Title = </a:t>
             </a:r>
             <a:r>
               <a:rPr lang="en-US" b="0" dirty="0" smtClean="0">
@@ -8474,15 +8327,7 @@
                 <a:ea typeface="Calibri"/>
                 <a:cs typeface="Times New Roman"/>
               </a:rPr>
-              <a:t>(movie</a:t>
-            </a:r>
-            <a:r>
-              <a:rPr lang="en-US" b="0" dirty="0" smtClean="0">
-                <a:latin typeface="Consolas" pitchFamily="49" charset="0"/>
-                <a:ea typeface="Calibri"/>
-                <a:cs typeface="Times New Roman"/>
-              </a:rPr>
-              <a:t>);</a:t>
+              <a:t>(movie);</a:t>
             </a:r>
             <a:endParaRPr lang="en-US" sz="2000" b="0" dirty="0" smtClean="0">
               <a:latin typeface="Consolas" pitchFamily="49" charset="0"/>
@@ -8641,13 +8486,7 @@
               <a:rPr lang="en-US" sz="1400" b="0" dirty="0" smtClean="0">
                 <a:latin typeface="Consolas" pitchFamily="49" charset="0"/>
               </a:rPr>
-              <a:t>        &lt;</a:t>
-            </a:r>
-            <a:r>
-              <a:rPr lang="en-US" sz="1400" b="0" dirty="0" smtClean="0">
-                <a:latin typeface="Consolas" pitchFamily="49" charset="0"/>
-              </a:rPr>
-              <a:t>d:Title&gt;No Country For Young Men&lt;/d:Title&gt;</a:t>
+              <a:t>        &lt;d:Title&gt;No Country For Young Men&lt;/d:Title&gt;</a:t>
             </a:r>
           </a:p>
           <a:p>
@@ -9585,6 +9424,39 @@
       </p:sp>
       <p:sp>
         <p:nvSpPr>
+          <p:cNvPr id="8" name="Text Placeholder 2"/>
+          <p:cNvSpPr>
+            <a:spLocks noGrp="1"/>
+          </p:cNvSpPr>
+          <p:nvPr>
+            <p:ph type="body" idx="1"/>
+          </p:nvPr>
+        </p:nvSpPr>
+        <p:spPr>
+          <a:xfrm>
+            <a:off x="457200" y="1143000"/>
+            <a:ext cx="8229600" cy="4495800"/>
+          </a:xfrm>
+        </p:spPr>
+        <p:txBody>
+          <a:bodyPr/>
+          <a:lstStyle/>
+          <a:p>
+            <a:r>
+              <a:rPr lang="en-US" dirty="0" smtClean="0"/>
+              <a:t>Query for the entity, then pass the entity to Delete object</a:t>
+            </a:r>
+          </a:p>
+          <a:p>
+            <a:pPr lvl="1">
+              <a:buNone/>
+            </a:pPr>
+            <a:endParaRPr lang="en-US" dirty="0" smtClean="0"/>
+          </a:p>
+        </p:txBody>
+      </p:sp>
+      <p:sp>
+        <p:nvSpPr>
           <p:cNvPr id="6" name="Rectangle 9"/>
           <p:cNvSpPr>
             <a:spLocks noChangeArrowheads="1"/>
@@ -10136,39 +10008,6 @@
             <a:endParaRPr lang="en-US" sz="2000" dirty="0">
               <a:latin typeface="Tekton Pro" pitchFamily="34" charset="0"/>
             </a:endParaRPr>
-          </a:p>
-        </p:txBody>
-      </p:sp>
-      <p:sp>
-        <p:nvSpPr>
-          <p:cNvPr id="8" name="Text Placeholder 2"/>
-          <p:cNvSpPr>
-            <a:spLocks noGrp="1"/>
-          </p:cNvSpPr>
-          <p:nvPr>
-            <p:ph type="body" idx="1"/>
-          </p:nvPr>
-        </p:nvSpPr>
-        <p:spPr>
-          <a:xfrm>
-            <a:off x="457200" y="1143000"/>
-            <a:ext cx="8229600" cy="4495800"/>
-          </a:xfrm>
-        </p:spPr>
-        <p:txBody>
-          <a:bodyPr/>
-          <a:lstStyle/>
-          <a:p>
-            <a:r>
-              <a:rPr lang="en-US" dirty="0" smtClean="0"/>
-              <a:t>Query for the entity, then pass the entity to Delete object</a:t>
-            </a:r>
-          </a:p>
-          <a:p>
-            <a:pPr lvl="1">
-              <a:buNone/>
-            </a:pPr>
-            <a:endParaRPr lang="en-US" dirty="0" smtClean="0"/>
           </a:p>
         </p:txBody>
       </p:sp>
@@ -10479,18 +10318,7 @@
                 <a:ea typeface="Calibri"/>
                 <a:cs typeface="Times New Roman"/>
               </a:rPr>
-              <a:t>"MovieReviewService.svc</a:t>
-            </a:r>
-            <a:r>
-              <a:rPr lang="en-US" b="0" dirty="0" smtClean="0">
-                <a:solidFill>
-                  <a:srgbClr val="A31515"/>
-                </a:solidFill>
-                <a:latin typeface="Consolas"/>
-                <a:ea typeface="Calibri"/>
-                <a:cs typeface="Times New Roman"/>
-              </a:rPr>
-              <a:t>"</a:t>
+              <a:t>"MovieReviewService.svc"</a:t>
             </a:r>
             <a:r>
               <a:rPr lang="en-US" b="0" dirty="0" smtClean="0">
@@ -10519,15 +10347,7 @@
                 <a:ea typeface="Calibri"/>
                 <a:cs typeface="Times New Roman"/>
               </a:rPr>
-              <a:t> </a:t>
-            </a:r>
-            <a:r>
-              <a:rPr lang="en-US" b="0" dirty="0" smtClean="0">
-                <a:latin typeface="Consolas"/>
-                <a:ea typeface="Calibri"/>
-                <a:cs typeface="Times New Roman"/>
-              </a:rPr>
-              <a:t>           </a:t>
+              <a:t>            </a:t>
             </a:r>
             <a:r>
               <a:rPr lang="en-US" b="0" dirty="0" err="1" smtClean="0">
@@ -10638,11 +10458,6 @@
               </a:rPr>
               <a:t>&gt; query = </a:t>
             </a:r>
-            <a:endParaRPr lang="en-US" b="0" dirty="0" smtClean="0">
-              <a:latin typeface="Consolas"/>
-              <a:ea typeface="Calibri"/>
-              <a:cs typeface="Times New Roman"/>
-            </a:endParaRPr>
           </a:p>
           <a:p>
             <a:pPr marL="0" marR="0" algn="l">
@@ -10662,15 +10477,7 @@
                 <a:ea typeface="Calibri"/>
                 <a:cs typeface="Times New Roman"/>
               </a:rPr>
-              <a:t> </a:t>
-            </a:r>
-            <a:r>
-              <a:rPr lang="en-US" b="0" dirty="0" smtClean="0">
-                <a:latin typeface="Consolas"/>
-                <a:ea typeface="Calibri"/>
-                <a:cs typeface="Times New Roman"/>
-              </a:rPr>
-              <a:t>  </a:t>
+              <a:t>   </a:t>
             </a:r>
             <a:r>
               <a:rPr lang="en-US" b="0" dirty="0" err="1" smtClean="0">
@@ -10686,15 +10493,7 @@
                 <a:ea typeface="Calibri"/>
                 <a:cs typeface="Times New Roman"/>
               </a:rPr>
-              <a:t>(m </a:t>
-            </a:r>
-            <a:r>
-              <a:rPr lang="en-US" b="0" dirty="0" smtClean="0">
-                <a:latin typeface="Consolas"/>
-                <a:ea typeface="Calibri"/>
-                <a:cs typeface="Times New Roman"/>
-              </a:rPr>
-              <a:t>=&gt; </a:t>
+              <a:t>(m =&gt; </a:t>
             </a:r>
             <a:r>
               <a:rPr lang="en-US" b="0" dirty="0" err="1" smtClean="0">
@@ -10736,23 +10535,7 @@
                 <a:ea typeface="Calibri"/>
                 <a:cs typeface="Times New Roman"/>
               </a:rPr>
-              <a:t>   </a:t>
-            </a:r>
-            <a:r>
-              <a:rPr lang="en-US" b="0" dirty="0" smtClean="0">
-                <a:latin typeface="Consolas"/>
-                <a:ea typeface="Calibri"/>
-                <a:cs typeface="Times New Roman"/>
-              </a:rPr>
-              <a:t>           .</a:t>
-            </a:r>
-            <a:r>
-              <a:rPr lang="en-US" b="0" dirty="0" smtClean="0">
-                <a:latin typeface="Consolas"/>
-                <a:ea typeface="Calibri"/>
-                <a:cs typeface="Times New Roman"/>
-              </a:rPr>
-              <a:t>Take(100) </a:t>
+              <a:t>              .Take(100) </a:t>
             </a:r>
             <a:r>
               <a:rPr lang="en-US" b="0" dirty="0" smtClean="0">
@@ -10938,15 +10721,7 @@
                 <a:ea typeface="Calibri"/>
                 <a:cs typeface="Times New Roman"/>
               </a:rPr>
-              <a:t> </a:t>
-            </a:r>
-            <a:r>
-              <a:rPr lang="en-US" b="0" dirty="0" smtClean="0">
-                <a:latin typeface="Consolas"/>
-                <a:ea typeface="Calibri"/>
-                <a:cs typeface="Times New Roman"/>
-              </a:rPr>
-              <a:t>  </a:t>
+              <a:t>   </a:t>
             </a:r>
             <a:r>
               <a:rPr lang="en-US" b="0" dirty="0" smtClean="0">
@@ -14967,6 +14742,40 @@
               <a:t>Enter the Rich Internet Application</a:t>
             </a:r>
             <a:endParaRPr lang="en-US" dirty="0"/>
+          </a:p>
+        </p:txBody>
+      </p:sp>
+      <p:sp>
+        <p:nvSpPr>
+          <p:cNvPr id="18" name="Text Placeholder 2"/>
+          <p:cNvSpPr>
+            <a:spLocks noGrp="1"/>
+          </p:cNvSpPr>
+          <p:nvPr>
+            <p:ph type="body" idx="1"/>
+          </p:nvPr>
+        </p:nvSpPr>
+        <p:spPr>
+          <a:xfrm>
+            <a:off x="457200" y="1371600"/>
+            <a:ext cx="8229600" cy="1295400"/>
+          </a:xfrm>
+        </p:spPr>
+        <p:txBody>
+          <a:bodyPr/>
+          <a:lstStyle/>
+          <a:p>
+            <a:r>
+              <a:rPr lang="en-US" dirty="0" smtClean="0"/>
+              <a:t>Client wants to consume raw data</a:t>
+            </a:r>
+          </a:p>
+          <a:p>
+            <a:pPr lvl="1"/>
+            <a:r>
+              <a:rPr lang="en-US" dirty="0" smtClean="0"/>
+              <a:t>Presentation is constructed in client-side code</a:t>
+            </a:r>
           </a:p>
         </p:txBody>
       </p:sp>
@@ -15271,40 +15080,6 @@
               </a:solidFill>
               <a:latin typeface="Tekton Pro" pitchFamily="34" charset="0"/>
             </a:endParaRPr>
-          </a:p>
-        </p:txBody>
-      </p:sp>
-      <p:sp>
-        <p:nvSpPr>
-          <p:cNvPr id="18" name="Text Placeholder 2"/>
-          <p:cNvSpPr>
-            <a:spLocks noGrp="1"/>
-          </p:cNvSpPr>
-          <p:nvPr>
-            <p:ph type="body" idx="1"/>
-          </p:nvPr>
-        </p:nvSpPr>
-        <p:spPr>
-          <a:xfrm>
-            <a:off x="457200" y="1371600"/>
-            <a:ext cx="8229600" cy="1295400"/>
-          </a:xfrm>
-        </p:spPr>
-        <p:txBody>
-          <a:bodyPr/>
-          <a:lstStyle/>
-          <a:p>
-            <a:r>
-              <a:rPr lang="en-US" dirty="0" smtClean="0"/>
-              <a:t>Client wants to consume raw data</a:t>
-            </a:r>
-          </a:p>
-          <a:p>
-            <a:pPr lvl="1"/>
-            <a:r>
-              <a:rPr lang="en-US" dirty="0" smtClean="0"/>
-              <a:t>Presentation is constructed in client-side code</a:t>
-            </a:r>
           </a:p>
         </p:txBody>
       </p:sp>
@@ -17373,7 +17148,7 @@
 </file>
 
 <file path=ppt/theme/theme1.xml><?xml version="1.0" encoding="utf-8"?>
-<a:theme xmlns:a="http://schemas.openxmlformats.org/drawingml/2006/main" name="SapphireTemplate">
+<a:theme xmlns:a="http://schemas.openxmlformats.org/drawingml/2006/main" name="1_SapphireTemplate">
   <a:themeElements>
     <a:clrScheme name="Sapphire">
       <a:dk1>
